--- a/PPT/Servlet/ServletScope.pptx
+++ b/PPT/Servlet/ServletScope.pptx
@@ -296,7 +296,7 @@
           <a:p>
             <a:fld id="{CB007F2C-E604-48B5-8850-BD410364DECC}" type="datetimeFigureOut">
               <a:rPr lang="ko-KR" altLang="en-US" smtClean="0"/>
-              <a:t>2019-09-03</a:t>
+              <a:t>2019-09-09</a:t>
             </a:fld>
             <a:endParaRPr lang="ko-KR" altLang="en-US"/>
           </a:p>
@@ -466,7 +466,7 @@
           <a:p>
             <a:fld id="{CB007F2C-E604-48B5-8850-BD410364DECC}" type="datetimeFigureOut">
               <a:rPr lang="ko-KR" altLang="en-US" smtClean="0"/>
-              <a:t>2019-09-03</a:t>
+              <a:t>2019-09-09</a:t>
             </a:fld>
             <a:endParaRPr lang="ko-KR" altLang="en-US"/>
           </a:p>
@@ -646,7 +646,7 @@
           <a:p>
             <a:fld id="{CB007F2C-E604-48B5-8850-BD410364DECC}" type="datetimeFigureOut">
               <a:rPr lang="ko-KR" altLang="en-US" smtClean="0"/>
-              <a:t>2019-09-03</a:t>
+              <a:t>2019-09-09</a:t>
             </a:fld>
             <a:endParaRPr lang="ko-KR" altLang="en-US"/>
           </a:p>
@@ -816,7 +816,7 @@
           <a:p>
             <a:fld id="{CB007F2C-E604-48B5-8850-BD410364DECC}" type="datetimeFigureOut">
               <a:rPr lang="ko-KR" altLang="en-US" smtClean="0"/>
-              <a:t>2019-09-03</a:t>
+              <a:t>2019-09-09</a:t>
             </a:fld>
             <a:endParaRPr lang="ko-KR" altLang="en-US"/>
           </a:p>
@@ -1062,7 +1062,7 @@
           <a:p>
             <a:fld id="{CB007F2C-E604-48B5-8850-BD410364DECC}" type="datetimeFigureOut">
               <a:rPr lang="ko-KR" altLang="en-US" smtClean="0"/>
-              <a:t>2019-09-03</a:t>
+              <a:t>2019-09-09</a:t>
             </a:fld>
             <a:endParaRPr lang="ko-KR" altLang="en-US"/>
           </a:p>
@@ -1350,7 +1350,7 @@
           <a:p>
             <a:fld id="{CB007F2C-E604-48B5-8850-BD410364DECC}" type="datetimeFigureOut">
               <a:rPr lang="ko-KR" altLang="en-US" smtClean="0"/>
-              <a:t>2019-09-03</a:t>
+              <a:t>2019-09-09</a:t>
             </a:fld>
             <a:endParaRPr lang="ko-KR" altLang="en-US"/>
           </a:p>
@@ -1772,7 +1772,7 @@
           <a:p>
             <a:fld id="{CB007F2C-E604-48B5-8850-BD410364DECC}" type="datetimeFigureOut">
               <a:rPr lang="ko-KR" altLang="en-US" smtClean="0"/>
-              <a:t>2019-09-03</a:t>
+              <a:t>2019-09-09</a:t>
             </a:fld>
             <a:endParaRPr lang="ko-KR" altLang="en-US"/>
           </a:p>
@@ -1890,7 +1890,7 @@
           <a:p>
             <a:fld id="{CB007F2C-E604-48B5-8850-BD410364DECC}" type="datetimeFigureOut">
               <a:rPr lang="ko-KR" altLang="en-US" smtClean="0"/>
-              <a:t>2019-09-03</a:t>
+              <a:t>2019-09-09</a:t>
             </a:fld>
             <a:endParaRPr lang="ko-KR" altLang="en-US"/>
           </a:p>
@@ -1985,7 +1985,7 @@
           <a:p>
             <a:fld id="{CB007F2C-E604-48B5-8850-BD410364DECC}" type="datetimeFigureOut">
               <a:rPr lang="ko-KR" altLang="en-US" smtClean="0"/>
-              <a:t>2019-09-03</a:t>
+              <a:t>2019-09-09</a:t>
             </a:fld>
             <a:endParaRPr lang="ko-KR" altLang="en-US"/>
           </a:p>
@@ -2262,7 +2262,7 @@
           <a:p>
             <a:fld id="{CB007F2C-E604-48B5-8850-BD410364DECC}" type="datetimeFigureOut">
               <a:rPr lang="ko-KR" altLang="en-US" smtClean="0"/>
-              <a:t>2019-09-03</a:t>
+              <a:t>2019-09-09</a:t>
             </a:fld>
             <a:endParaRPr lang="ko-KR" altLang="en-US"/>
           </a:p>
@@ -2515,7 +2515,7 @@
           <a:p>
             <a:fld id="{CB007F2C-E604-48B5-8850-BD410364DECC}" type="datetimeFigureOut">
               <a:rPr lang="ko-KR" altLang="en-US" smtClean="0"/>
-              <a:t>2019-09-03</a:t>
+              <a:t>2019-09-09</a:t>
             </a:fld>
             <a:endParaRPr lang="ko-KR" altLang="en-US"/>
           </a:p>
@@ -2728,7 +2728,7 @@
           <a:p>
             <a:fld id="{CB007F2C-E604-48B5-8850-BD410364DECC}" type="datetimeFigureOut">
               <a:rPr lang="ko-KR" altLang="en-US" smtClean="0"/>
-              <a:t>2019-09-03</a:t>
+              <a:t>2019-09-09</a:t>
             </a:fld>
             <a:endParaRPr lang="ko-KR" altLang="en-US"/>
           </a:p>
@@ -3111,7 +3111,7 @@
         </p:nvGrpSpPr>
         <p:grpSpPr>
           <a:xfrm>
-            <a:off x="1620798" y="1038963"/>
+            <a:off x="1945623" y="1507261"/>
             <a:ext cx="5542520" cy="2916570"/>
             <a:chOff x="541648" y="1448534"/>
             <a:chExt cx="5542520" cy="2916570"/>
@@ -4082,10 +4082,10 @@
                 <a:latin typeface="나눔스퀘어 ExtraBold" pitchFamily="50" charset="-127"/>
                 <a:ea typeface="나눔스퀘어 ExtraBold" pitchFamily="50" charset="-127"/>
               </a:rPr>
-              <a:t>페이지 내에서만 갖는 </a:t>
-            </a:r>
-            <a:r>
-              <a:rPr lang="ko-KR" altLang="en-US" dirty="0" err="1" smtClean="0">
+              <a:t>페이지 내에서만 </a:t>
+            </a:r>
+            <a:r>
+              <a:rPr lang="ko-KR" altLang="en-US" dirty="0" smtClean="0">
                 <a:solidFill>
                   <a:schemeClr val="tx1">
                     <a:lumMod val="85000"/>
@@ -4095,7 +4095,20 @@
                 <a:latin typeface="나눔스퀘어 ExtraBold" pitchFamily="50" charset="-127"/>
                 <a:ea typeface="나눔스퀘어 ExtraBold" pitchFamily="50" charset="-127"/>
               </a:rPr>
-              <a:t>스코프</a:t>
+              <a:t>변수를 가진다</a:t>
+            </a:r>
+            <a:r>
+              <a:rPr lang="en-US" altLang="ko-KR" smtClean="0">
+                <a:solidFill>
+                  <a:schemeClr val="tx1">
+                    <a:lumMod val="85000"/>
+                    <a:lumOff val="15000"/>
+                  </a:schemeClr>
+                </a:solidFill>
+                <a:latin typeface="나눔스퀘어 ExtraBold" pitchFamily="50" charset="-127"/>
+                <a:ea typeface="나눔스퀘어 ExtraBold" pitchFamily="50" charset="-127"/>
+              </a:rPr>
+              <a:t>.</a:t>
             </a:r>
             <a:endParaRPr lang="en-US" altLang="ko-KR" dirty="0" smtClean="0">
               <a:solidFill>
@@ -4976,7 +4989,7 @@
         </p:nvSpPr>
         <p:spPr>
           <a:xfrm>
-            <a:off x="2555776" y="2991910"/>
+            <a:off x="4291269" y="2944388"/>
             <a:ext cx="882440" cy="369332"/>
           </a:xfrm>
           <a:prstGeom prst="rect">
@@ -5015,7 +5028,7 @@
         </p:nvSpPr>
         <p:spPr>
           <a:xfrm>
-            <a:off x="4396475" y="3846628"/>
+            <a:off x="2445346" y="3837627"/>
             <a:ext cx="882440" cy="369332"/>
           </a:xfrm>
           <a:prstGeom prst="rect">
@@ -5054,7 +5067,7 @@
         </p:nvSpPr>
         <p:spPr>
           <a:xfrm>
-            <a:off x="2410113" y="3315176"/>
+            <a:off x="2402665" y="3569205"/>
             <a:ext cx="2757016" cy="288032"/>
           </a:xfrm>
           <a:prstGeom prst="leftArrow">
@@ -5103,7 +5116,7 @@
         </p:nvSpPr>
         <p:spPr>
           <a:xfrm rot="10812296">
-            <a:off x="2410620" y="3641288"/>
+            <a:off x="2410620" y="3235745"/>
             <a:ext cx="2756501" cy="288032"/>
           </a:xfrm>
           <a:prstGeom prst="leftArrow">
@@ -6160,7 +6173,7 @@
         </p:nvSpPr>
         <p:spPr>
           <a:xfrm>
-            <a:off x="2500380" y="1713166"/>
+            <a:off x="4409640" y="1911175"/>
             <a:ext cx="882440" cy="369332"/>
           </a:xfrm>
           <a:prstGeom prst="rect">
@@ -6199,7 +6212,7 @@
         </p:nvSpPr>
         <p:spPr>
           <a:xfrm>
-            <a:off x="4477837" y="2530442"/>
+            <a:off x="2377841" y="5073421"/>
             <a:ext cx="882440" cy="369332"/>
           </a:xfrm>
           <a:prstGeom prst="rect">
@@ -6238,7 +6251,7 @@
         </p:nvSpPr>
         <p:spPr>
           <a:xfrm>
-            <a:off x="2420152" y="1965822"/>
+            <a:off x="2339752" y="4801343"/>
             <a:ext cx="2773668" cy="288032"/>
           </a:xfrm>
           <a:prstGeom prst="leftArrow">
@@ -6292,7 +6305,7 @@
           </a:prstGeom>
           <a:ln w="34925">
             <a:solidFill>
-              <a:schemeClr val="tx1"/>
+              <a:schemeClr val="accent6"/>
             </a:solidFill>
             <a:tailEnd type="arrow"/>
           </a:ln>
@@ -6330,7 +6343,7 @@
           </a:prstGeom>
           <a:ln w="34925">
             <a:solidFill>
-              <a:schemeClr val="tx1"/>
+              <a:schemeClr val="accent6"/>
             </a:solidFill>
             <a:tailEnd type="arrow"/>
           </a:ln>
@@ -6366,7 +6379,7 @@
           </a:prstGeom>
           <a:ln w="34925">
             <a:solidFill>
-              <a:schemeClr val="tx1"/>
+              <a:schemeClr val="accent6"/>
             </a:solidFill>
             <a:tailEnd type="arrow"/>
           </a:ln>
@@ -6658,358 +6671,6 @@
                 <a:lumOff val="50000"/>
               </a:schemeClr>
             </a:solidFill>
-          </a:ln>
-        </p:spPr>
-        <p:style>
-          <a:lnRef idx="2">
-            <a:schemeClr val="accent1">
-              <a:shade val="50000"/>
-            </a:schemeClr>
-          </a:lnRef>
-          <a:fillRef idx="1">
-            <a:schemeClr val="accent1"/>
-          </a:fillRef>
-          <a:effectRef idx="0">
-            <a:schemeClr val="accent1"/>
-          </a:effectRef>
-          <a:fontRef idx="minor">
-            <a:schemeClr val="lt1"/>
-          </a:fontRef>
-        </p:style>
-        <p:txBody>
-          <a:bodyPr rtlCol="0" anchor="ctr"/>
-          <a:lstStyle/>
-          <a:p>
-            <a:pPr algn="ctr"/>
-            <a:endParaRPr lang="ko-KR" altLang="en-US"/>
-          </a:p>
-        </p:txBody>
-      </p:sp>
-      <p:sp>
-        <p:nvSpPr>
-          <p:cNvPr id="43" name="TextBox 42"/>
-          <p:cNvSpPr txBox="1"/>
-          <p:nvPr/>
-        </p:nvSpPr>
-        <p:spPr>
-          <a:xfrm>
-            <a:off x="2485673" y="3027144"/>
-            <a:ext cx="882440" cy="369332"/>
-          </a:xfrm>
-          <a:prstGeom prst="rect">
-            <a:avLst/>
-          </a:prstGeom>
-          <a:noFill/>
-        </p:spPr>
-        <p:txBody>
-          <a:bodyPr wrap="square" rtlCol="0">
-            <a:spAutoFit/>
-          </a:bodyPr>
-          <a:lstStyle/>
-          <a:p>
-            <a:r>
-              <a:rPr lang="ko-KR" altLang="en-US" dirty="0" smtClean="0">
-                <a:latin typeface="나눔스퀘어 ExtraBold" pitchFamily="50" charset="-127"/>
-                <a:ea typeface="나눔스퀘어 ExtraBold" pitchFamily="50" charset="-127"/>
-              </a:rPr>
-              <a:t>요</a:t>
-            </a:r>
-            <a:r>
-              <a:rPr lang="ko-KR" altLang="en-US" dirty="0">
-                <a:latin typeface="나눔스퀘어 ExtraBold" pitchFamily="50" charset="-127"/>
-                <a:ea typeface="나눔스퀘어 ExtraBold" pitchFamily="50" charset="-127"/>
-              </a:rPr>
-              <a:t>청</a:t>
-            </a:r>
-          </a:p>
-        </p:txBody>
-      </p:sp>
-      <p:sp>
-        <p:nvSpPr>
-          <p:cNvPr id="44" name="TextBox 43"/>
-          <p:cNvSpPr txBox="1"/>
-          <p:nvPr/>
-        </p:nvSpPr>
-        <p:spPr>
-          <a:xfrm>
-            <a:off x="4499992" y="3852438"/>
-            <a:ext cx="882440" cy="369332"/>
-          </a:xfrm>
-          <a:prstGeom prst="rect">
-            <a:avLst/>
-          </a:prstGeom>
-          <a:noFill/>
-        </p:spPr>
-        <p:txBody>
-          <a:bodyPr wrap="square" rtlCol="0">
-            <a:spAutoFit/>
-          </a:bodyPr>
-          <a:lstStyle/>
-          <a:p>
-            <a:r>
-              <a:rPr lang="ko-KR" altLang="en-US" dirty="0" smtClean="0">
-                <a:latin typeface="나눔스퀘어 ExtraBold" pitchFamily="50" charset="-127"/>
-                <a:ea typeface="나눔스퀘어 ExtraBold" pitchFamily="50" charset="-127"/>
-              </a:rPr>
-              <a:t>응</a:t>
-            </a:r>
-            <a:r>
-              <a:rPr lang="ko-KR" altLang="en-US" dirty="0">
-                <a:latin typeface="나눔스퀘어 ExtraBold" pitchFamily="50" charset="-127"/>
-                <a:ea typeface="나눔스퀘어 ExtraBold" pitchFamily="50" charset="-127"/>
-              </a:rPr>
-              <a:t>답</a:t>
-            </a:r>
-          </a:p>
-        </p:txBody>
-      </p:sp>
-      <p:sp>
-        <p:nvSpPr>
-          <p:cNvPr id="45" name="왼쪽 화살표 44"/>
-          <p:cNvSpPr/>
-          <p:nvPr/>
-        </p:nvSpPr>
-        <p:spPr>
-          <a:xfrm>
-            <a:off x="2436226" y="3315176"/>
-            <a:ext cx="2757014" cy="288032"/>
-          </a:xfrm>
-          <a:prstGeom prst="leftArrow">
-            <a:avLst/>
-          </a:prstGeom>
-          <a:solidFill>
-            <a:schemeClr val="tx1">
-              <a:lumMod val="50000"/>
-              <a:lumOff val="50000"/>
-            </a:schemeClr>
-          </a:solidFill>
-          <a:ln>
-            <a:noFill/>
-          </a:ln>
-        </p:spPr>
-        <p:style>
-          <a:lnRef idx="2">
-            <a:schemeClr val="accent1">
-              <a:shade val="50000"/>
-            </a:schemeClr>
-          </a:lnRef>
-          <a:fillRef idx="1">
-            <a:schemeClr val="accent1"/>
-          </a:fillRef>
-          <a:effectRef idx="0">
-            <a:schemeClr val="accent1"/>
-          </a:effectRef>
-          <a:fontRef idx="minor">
-            <a:schemeClr val="lt1"/>
-          </a:fontRef>
-        </p:style>
-        <p:txBody>
-          <a:bodyPr rtlCol="0" anchor="ctr"/>
-          <a:lstStyle/>
-          <a:p>
-            <a:pPr algn="ctr"/>
-            <a:endParaRPr lang="ko-KR" altLang="en-US"/>
-          </a:p>
-        </p:txBody>
-      </p:sp>
-      <p:sp>
-        <p:nvSpPr>
-          <p:cNvPr id="46" name="왼쪽 화살표 45"/>
-          <p:cNvSpPr/>
-          <p:nvPr/>
-        </p:nvSpPr>
-        <p:spPr>
-          <a:xfrm rot="10812296">
-            <a:off x="2410621" y="3641335"/>
-            <a:ext cx="2782684" cy="288032"/>
-          </a:xfrm>
-          <a:prstGeom prst="leftArrow">
-            <a:avLst/>
-          </a:prstGeom>
-          <a:solidFill>
-            <a:schemeClr val="tx1">
-              <a:lumMod val="50000"/>
-              <a:lumOff val="50000"/>
-            </a:schemeClr>
-          </a:solidFill>
-          <a:ln>
-            <a:noFill/>
-          </a:ln>
-        </p:spPr>
-        <p:style>
-          <a:lnRef idx="2">
-            <a:schemeClr val="accent1">
-              <a:shade val="50000"/>
-            </a:schemeClr>
-          </a:lnRef>
-          <a:fillRef idx="1">
-            <a:schemeClr val="accent1"/>
-          </a:fillRef>
-          <a:effectRef idx="0">
-            <a:schemeClr val="accent1"/>
-          </a:effectRef>
-          <a:fontRef idx="minor">
-            <a:schemeClr val="lt1"/>
-          </a:fontRef>
-        </p:style>
-        <p:txBody>
-          <a:bodyPr rtlCol="0" anchor="ctr"/>
-          <a:lstStyle/>
-          <a:p>
-            <a:pPr algn="ctr"/>
-            <a:endParaRPr lang="ko-KR" altLang="en-US"/>
-          </a:p>
-        </p:txBody>
-      </p:sp>
-      <p:sp>
-        <p:nvSpPr>
-          <p:cNvPr id="47" name="TextBox 46"/>
-          <p:cNvSpPr txBox="1"/>
-          <p:nvPr/>
-        </p:nvSpPr>
-        <p:spPr>
-          <a:xfrm>
-            <a:off x="2555776" y="4144690"/>
-            <a:ext cx="882440" cy="369332"/>
-          </a:xfrm>
-          <a:prstGeom prst="rect">
-            <a:avLst/>
-          </a:prstGeom>
-          <a:noFill/>
-        </p:spPr>
-        <p:txBody>
-          <a:bodyPr wrap="square" rtlCol="0">
-            <a:spAutoFit/>
-          </a:bodyPr>
-          <a:lstStyle/>
-          <a:p>
-            <a:r>
-              <a:rPr lang="ko-KR" altLang="en-US" dirty="0" smtClean="0">
-                <a:latin typeface="나눔스퀘어 ExtraBold" pitchFamily="50" charset="-127"/>
-                <a:ea typeface="나눔스퀘어 ExtraBold" pitchFamily="50" charset="-127"/>
-              </a:rPr>
-              <a:t>요</a:t>
-            </a:r>
-            <a:r>
-              <a:rPr lang="ko-KR" altLang="en-US" dirty="0">
-                <a:latin typeface="나눔스퀘어 ExtraBold" pitchFamily="50" charset="-127"/>
-                <a:ea typeface="나눔스퀘어 ExtraBold" pitchFamily="50" charset="-127"/>
-              </a:rPr>
-              <a:t>청</a:t>
-            </a:r>
-          </a:p>
-        </p:txBody>
-      </p:sp>
-      <p:sp>
-        <p:nvSpPr>
-          <p:cNvPr id="48" name="TextBox 47"/>
-          <p:cNvSpPr txBox="1"/>
-          <p:nvPr/>
-        </p:nvSpPr>
-        <p:spPr>
-          <a:xfrm>
-            <a:off x="4520605" y="4920165"/>
-            <a:ext cx="882440" cy="369332"/>
-          </a:xfrm>
-          <a:prstGeom prst="rect">
-            <a:avLst/>
-          </a:prstGeom>
-          <a:noFill/>
-        </p:spPr>
-        <p:txBody>
-          <a:bodyPr wrap="square" rtlCol="0">
-            <a:spAutoFit/>
-          </a:bodyPr>
-          <a:lstStyle/>
-          <a:p>
-            <a:r>
-              <a:rPr lang="ko-KR" altLang="en-US" dirty="0" smtClean="0">
-                <a:latin typeface="나눔스퀘어 ExtraBold" pitchFamily="50" charset="-127"/>
-                <a:ea typeface="나눔스퀘어 ExtraBold" pitchFamily="50" charset="-127"/>
-              </a:rPr>
-              <a:t>응</a:t>
-            </a:r>
-            <a:r>
-              <a:rPr lang="ko-KR" altLang="en-US" dirty="0">
-                <a:latin typeface="나눔스퀘어 ExtraBold" pitchFamily="50" charset="-127"/>
-                <a:ea typeface="나눔스퀘어 ExtraBold" pitchFamily="50" charset="-127"/>
-              </a:rPr>
-              <a:t>답</a:t>
-            </a:r>
-          </a:p>
-        </p:txBody>
-      </p:sp>
-      <p:sp>
-        <p:nvSpPr>
-          <p:cNvPr id="49" name="왼쪽 화살표 48"/>
-          <p:cNvSpPr/>
-          <p:nvPr/>
-        </p:nvSpPr>
-        <p:spPr>
-          <a:xfrm>
-            <a:off x="2462339" y="4378348"/>
-            <a:ext cx="2757014" cy="288032"/>
-          </a:xfrm>
-          <a:prstGeom prst="leftArrow">
-            <a:avLst/>
-          </a:prstGeom>
-          <a:solidFill>
-            <a:schemeClr val="tx1">
-              <a:lumMod val="50000"/>
-              <a:lumOff val="50000"/>
-            </a:schemeClr>
-          </a:solidFill>
-          <a:ln>
-            <a:noFill/>
-          </a:ln>
-        </p:spPr>
-        <p:style>
-          <a:lnRef idx="2">
-            <a:schemeClr val="accent1">
-              <a:shade val="50000"/>
-            </a:schemeClr>
-          </a:lnRef>
-          <a:fillRef idx="1">
-            <a:schemeClr val="accent1"/>
-          </a:fillRef>
-          <a:effectRef idx="0">
-            <a:schemeClr val="accent1"/>
-          </a:effectRef>
-          <a:fontRef idx="minor">
-            <a:schemeClr val="lt1"/>
-          </a:fontRef>
-        </p:style>
-        <p:txBody>
-          <a:bodyPr rtlCol="0" anchor="ctr"/>
-          <a:lstStyle/>
-          <a:p>
-            <a:pPr algn="ctr"/>
-            <a:endParaRPr lang="ko-KR" altLang="en-US"/>
-          </a:p>
-        </p:txBody>
-      </p:sp>
-      <p:sp>
-        <p:nvSpPr>
-          <p:cNvPr id="50" name="왼쪽 화살표 49"/>
-          <p:cNvSpPr/>
-          <p:nvPr/>
-        </p:nvSpPr>
-        <p:spPr>
-          <a:xfrm rot="10812296">
-            <a:off x="2436734" y="4704507"/>
-            <a:ext cx="2782684" cy="288032"/>
-          </a:xfrm>
-          <a:prstGeom prst="leftArrow">
-            <a:avLst/>
-          </a:prstGeom>
-          <a:solidFill>
-            <a:schemeClr val="tx1">
-              <a:lumMod val="50000"/>
-              <a:lumOff val="50000"/>
-            </a:schemeClr>
-          </a:solidFill>
-          <a:ln>
-            <a:noFill/>
           </a:ln>
         </p:spPr>
         <p:style>
@@ -7597,15 +7258,6 @@
               </a:rPr>
               <a:t>Session</a:t>
             </a:r>
-            <a:endParaRPr lang="en-US" altLang="ko-KR" dirty="0" smtClean="0">
-              <a:solidFill>
-                <a:schemeClr val="accent6">
-                  <a:lumMod val="75000"/>
-                </a:schemeClr>
-              </a:solidFill>
-              <a:latin typeface="나눔스퀘어 ExtraBold" pitchFamily="50" charset="-127"/>
-              <a:ea typeface="나눔스퀘어 ExtraBold" pitchFamily="50" charset="-127"/>
-            </a:endParaRPr>
           </a:p>
           <a:p>
             <a:pPr marL="285750" indent="-285750">
@@ -8144,7 +7796,7 @@
         </p:nvSpPr>
         <p:spPr>
           <a:xfrm>
-            <a:off x="2500380" y="1713166"/>
+            <a:off x="4262026" y="1511780"/>
             <a:ext cx="882440" cy="369332"/>
           </a:xfrm>
           <a:prstGeom prst="rect">
@@ -8183,7 +7835,7 @@
         </p:nvSpPr>
         <p:spPr>
           <a:xfrm>
-            <a:off x="4477837" y="2530442"/>
+            <a:off x="2508304" y="2359773"/>
             <a:ext cx="882440" cy="369332"/>
           </a:xfrm>
           <a:prstGeom prst="rect">
@@ -8222,14 +7874,16 @@
         </p:nvSpPr>
         <p:spPr>
           <a:xfrm>
-            <a:off x="2420152" y="1965822"/>
+            <a:off x="2387600" y="2070381"/>
             <a:ext cx="2773668" cy="288032"/>
           </a:xfrm>
           <a:prstGeom prst="leftArrow">
             <a:avLst/>
           </a:prstGeom>
           <a:solidFill>
-            <a:schemeClr val="accent6"/>
+            <a:schemeClr val="bg1">
+              <a:lumMod val="75000"/>
+            </a:schemeClr>
           </a:solidFill>
           <a:ln>
             <a:noFill/>
@@ -8582,14 +8236,16 @@
         </p:nvSpPr>
         <p:spPr>
           <a:xfrm rot="10812296">
-            <a:off x="2436733" y="2291934"/>
+            <a:off x="2453622" y="1777420"/>
             <a:ext cx="2756580" cy="288032"/>
           </a:xfrm>
           <a:prstGeom prst="leftArrow">
             <a:avLst/>
           </a:prstGeom>
           <a:solidFill>
-            <a:schemeClr val="accent6"/>
+            <a:schemeClr val="bg1">
+              <a:lumMod val="75000"/>
+            </a:schemeClr>
           </a:solidFill>
           <a:ln>
             <a:noFill/>
@@ -8637,351 +8293,8 @@
           <a:noFill/>
           <a:ln>
             <a:solidFill>
-              <a:schemeClr val="tx1">
-                <a:lumMod val="50000"/>
-                <a:lumOff val="50000"/>
-              </a:schemeClr>
+              <a:schemeClr val="accent6"/>
             </a:solidFill>
-          </a:ln>
-        </p:spPr>
-        <p:style>
-          <a:lnRef idx="2">
-            <a:schemeClr val="accent1">
-              <a:shade val="50000"/>
-            </a:schemeClr>
-          </a:lnRef>
-          <a:fillRef idx="1">
-            <a:schemeClr val="accent1"/>
-          </a:fillRef>
-          <a:effectRef idx="0">
-            <a:schemeClr val="accent1"/>
-          </a:effectRef>
-          <a:fontRef idx="minor">
-            <a:schemeClr val="lt1"/>
-          </a:fontRef>
-        </p:style>
-        <p:txBody>
-          <a:bodyPr rtlCol="0" anchor="ctr"/>
-          <a:lstStyle/>
-          <a:p>
-            <a:pPr algn="ctr"/>
-            <a:endParaRPr lang="ko-KR" altLang="en-US"/>
-          </a:p>
-        </p:txBody>
-      </p:sp>
-      <p:sp>
-        <p:nvSpPr>
-          <p:cNvPr id="43" name="TextBox 42"/>
-          <p:cNvSpPr txBox="1"/>
-          <p:nvPr/>
-        </p:nvSpPr>
-        <p:spPr>
-          <a:xfrm>
-            <a:off x="2485673" y="3027144"/>
-            <a:ext cx="882440" cy="369332"/>
-          </a:xfrm>
-          <a:prstGeom prst="rect">
-            <a:avLst/>
-          </a:prstGeom>
-          <a:noFill/>
-        </p:spPr>
-        <p:txBody>
-          <a:bodyPr wrap="square" rtlCol="0">
-            <a:spAutoFit/>
-          </a:bodyPr>
-          <a:lstStyle/>
-          <a:p>
-            <a:r>
-              <a:rPr lang="ko-KR" altLang="en-US" dirty="0" smtClean="0">
-                <a:latin typeface="나눔스퀘어 ExtraBold" pitchFamily="50" charset="-127"/>
-                <a:ea typeface="나눔스퀘어 ExtraBold" pitchFamily="50" charset="-127"/>
-              </a:rPr>
-              <a:t>요</a:t>
-            </a:r>
-            <a:r>
-              <a:rPr lang="ko-KR" altLang="en-US" dirty="0">
-                <a:latin typeface="나눔스퀘어 ExtraBold" pitchFamily="50" charset="-127"/>
-                <a:ea typeface="나눔스퀘어 ExtraBold" pitchFamily="50" charset="-127"/>
-              </a:rPr>
-              <a:t>청</a:t>
-            </a:r>
-          </a:p>
-        </p:txBody>
-      </p:sp>
-      <p:sp>
-        <p:nvSpPr>
-          <p:cNvPr id="44" name="TextBox 43"/>
-          <p:cNvSpPr txBox="1"/>
-          <p:nvPr/>
-        </p:nvSpPr>
-        <p:spPr>
-          <a:xfrm>
-            <a:off x="4499992" y="3852438"/>
-            <a:ext cx="882440" cy="369332"/>
-          </a:xfrm>
-          <a:prstGeom prst="rect">
-            <a:avLst/>
-          </a:prstGeom>
-          <a:noFill/>
-        </p:spPr>
-        <p:txBody>
-          <a:bodyPr wrap="square" rtlCol="0">
-            <a:spAutoFit/>
-          </a:bodyPr>
-          <a:lstStyle/>
-          <a:p>
-            <a:r>
-              <a:rPr lang="ko-KR" altLang="en-US" dirty="0" smtClean="0">
-                <a:latin typeface="나눔스퀘어 ExtraBold" pitchFamily="50" charset="-127"/>
-                <a:ea typeface="나눔스퀘어 ExtraBold" pitchFamily="50" charset="-127"/>
-              </a:rPr>
-              <a:t>응</a:t>
-            </a:r>
-            <a:r>
-              <a:rPr lang="ko-KR" altLang="en-US" dirty="0">
-                <a:latin typeface="나눔스퀘어 ExtraBold" pitchFamily="50" charset="-127"/>
-                <a:ea typeface="나눔스퀘어 ExtraBold" pitchFamily="50" charset="-127"/>
-              </a:rPr>
-              <a:t>답</a:t>
-            </a:r>
-          </a:p>
-        </p:txBody>
-      </p:sp>
-      <p:sp>
-        <p:nvSpPr>
-          <p:cNvPr id="45" name="왼쪽 화살표 44"/>
-          <p:cNvSpPr/>
-          <p:nvPr/>
-        </p:nvSpPr>
-        <p:spPr>
-          <a:xfrm>
-            <a:off x="2436226" y="3315176"/>
-            <a:ext cx="2757014" cy="288032"/>
-          </a:xfrm>
-          <a:prstGeom prst="leftArrow">
-            <a:avLst/>
-          </a:prstGeom>
-          <a:solidFill>
-            <a:schemeClr val="accent6"/>
-          </a:solidFill>
-          <a:ln>
-            <a:noFill/>
-          </a:ln>
-        </p:spPr>
-        <p:style>
-          <a:lnRef idx="2">
-            <a:schemeClr val="accent1">
-              <a:shade val="50000"/>
-            </a:schemeClr>
-          </a:lnRef>
-          <a:fillRef idx="1">
-            <a:schemeClr val="accent1"/>
-          </a:fillRef>
-          <a:effectRef idx="0">
-            <a:schemeClr val="accent1"/>
-          </a:effectRef>
-          <a:fontRef idx="minor">
-            <a:schemeClr val="lt1"/>
-          </a:fontRef>
-        </p:style>
-        <p:txBody>
-          <a:bodyPr rtlCol="0" anchor="ctr"/>
-          <a:lstStyle/>
-          <a:p>
-            <a:pPr algn="ctr"/>
-            <a:endParaRPr lang="ko-KR" altLang="en-US"/>
-          </a:p>
-        </p:txBody>
-      </p:sp>
-      <p:sp>
-        <p:nvSpPr>
-          <p:cNvPr id="46" name="왼쪽 화살표 45"/>
-          <p:cNvSpPr/>
-          <p:nvPr/>
-        </p:nvSpPr>
-        <p:spPr>
-          <a:xfrm rot="10812296">
-            <a:off x="2410621" y="3641335"/>
-            <a:ext cx="2782684" cy="288032"/>
-          </a:xfrm>
-          <a:prstGeom prst="leftArrow">
-            <a:avLst/>
-          </a:prstGeom>
-          <a:solidFill>
-            <a:schemeClr val="accent6"/>
-          </a:solidFill>
-          <a:ln>
-            <a:noFill/>
-          </a:ln>
-        </p:spPr>
-        <p:style>
-          <a:lnRef idx="2">
-            <a:schemeClr val="accent1">
-              <a:shade val="50000"/>
-            </a:schemeClr>
-          </a:lnRef>
-          <a:fillRef idx="1">
-            <a:schemeClr val="accent1"/>
-          </a:fillRef>
-          <a:effectRef idx="0">
-            <a:schemeClr val="accent1"/>
-          </a:effectRef>
-          <a:fontRef idx="minor">
-            <a:schemeClr val="lt1"/>
-          </a:fontRef>
-        </p:style>
-        <p:txBody>
-          <a:bodyPr rtlCol="0" anchor="ctr"/>
-          <a:lstStyle/>
-          <a:p>
-            <a:pPr algn="ctr"/>
-            <a:endParaRPr lang="ko-KR" altLang="en-US"/>
-          </a:p>
-        </p:txBody>
-      </p:sp>
-      <p:sp>
-        <p:nvSpPr>
-          <p:cNvPr id="47" name="TextBox 46"/>
-          <p:cNvSpPr txBox="1"/>
-          <p:nvPr/>
-        </p:nvSpPr>
-        <p:spPr>
-          <a:xfrm>
-            <a:off x="2555776" y="4144690"/>
-            <a:ext cx="882440" cy="369332"/>
-          </a:xfrm>
-          <a:prstGeom prst="rect">
-            <a:avLst/>
-          </a:prstGeom>
-          <a:noFill/>
-        </p:spPr>
-        <p:txBody>
-          <a:bodyPr wrap="square" rtlCol="0">
-            <a:spAutoFit/>
-          </a:bodyPr>
-          <a:lstStyle/>
-          <a:p>
-            <a:r>
-              <a:rPr lang="ko-KR" altLang="en-US" dirty="0" smtClean="0">
-                <a:latin typeface="나눔스퀘어 ExtraBold" pitchFamily="50" charset="-127"/>
-                <a:ea typeface="나눔스퀘어 ExtraBold" pitchFamily="50" charset="-127"/>
-              </a:rPr>
-              <a:t>요</a:t>
-            </a:r>
-            <a:r>
-              <a:rPr lang="ko-KR" altLang="en-US" dirty="0">
-                <a:latin typeface="나눔스퀘어 ExtraBold" pitchFamily="50" charset="-127"/>
-                <a:ea typeface="나눔스퀘어 ExtraBold" pitchFamily="50" charset="-127"/>
-              </a:rPr>
-              <a:t>청</a:t>
-            </a:r>
-          </a:p>
-        </p:txBody>
-      </p:sp>
-      <p:sp>
-        <p:nvSpPr>
-          <p:cNvPr id="48" name="TextBox 47"/>
-          <p:cNvSpPr txBox="1"/>
-          <p:nvPr/>
-        </p:nvSpPr>
-        <p:spPr>
-          <a:xfrm>
-            <a:off x="4520605" y="4920165"/>
-            <a:ext cx="882440" cy="369332"/>
-          </a:xfrm>
-          <a:prstGeom prst="rect">
-            <a:avLst/>
-          </a:prstGeom>
-          <a:noFill/>
-        </p:spPr>
-        <p:txBody>
-          <a:bodyPr wrap="square" rtlCol="0">
-            <a:spAutoFit/>
-          </a:bodyPr>
-          <a:lstStyle/>
-          <a:p>
-            <a:r>
-              <a:rPr lang="ko-KR" altLang="en-US" dirty="0" smtClean="0">
-                <a:latin typeface="나눔스퀘어 ExtraBold" pitchFamily="50" charset="-127"/>
-                <a:ea typeface="나눔스퀘어 ExtraBold" pitchFamily="50" charset="-127"/>
-              </a:rPr>
-              <a:t>응</a:t>
-            </a:r>
-            <a:r>
-              <a:rPr lang="ko-KR" altLang="en-US" dirty="0">
-                <a:latin typeface="나눔스퀘어 ExtraBold" pitchFamily="50" charset="-127"/>
-                <a:ea typeface="나눔스퀘어 ExtraBold" pitchFamily="50" charset="-127"/>
-              </a:rPr>
-              <a:t>답</a:t>
-            </a:r>
-          </a:p>
-        </p:txBody>
-      </p:sp>
-      <p:sp>
-        <p:nvSpPr>
-          <p:cNvPr id="49" name="왼쪽 화살표 48"/>
-          <p:cNvSpPr/>
-          <p:nvPr/>
-        </p:nvSpPr>
-        <p:spPr>
-          <a:xfrm>
-            <a:off x="2462339" y="4378348"/>
-            <a:ext cx="2757014" cy="288032"/>
-          </a:xfrm>
-          <a:prstGeom prst="leftArrow">
-            <a:avLst/>
-          </a:prstGeom>
-          <a:solidFill>
-            <a:schemeClr val="accent6"/>
-          </a:solidFill>
-          <a:ln>
-            <a:noFill/>
-          </a:ln>
-        </p:spPr>
-        <p:style>
-          <a:lnRef idx="2">
-            <a:schemeClr val="accent1">
-              <a:shade val="50000"/>
-            </a:schemeClr>
-          </a:lnRef>
-          <a:fillRef idx="1">
-            <a:schemeClr val="accent1"/>
-          </a:fillRef>
-          <a:effectRef idx="0">
-            <a:schemeClr val="accent1"/>
-          </a:effectRef>
-          <a:fontRef idx="minor">
-            <a:schemeClr val="lt1"/>
-          </a:fontRef>
-        </p:style>
-        <p:txBody>
-          <a:bodyPr rtlCol="0" anchor="ctr"/>
-          <a:lstStyle/>
-          <a:p>
-            <a:pPr algn="ctr"/>
-            <a:endParaRPr lang="ko-KR" altLang="en-US"/>
-          </a:p>
-        </p:txBody>
-      </p:sp>
-      <p:sp>
-        <p:nvSpPr>
-          <p:cNvPr id="50" name="왼쪽 화살표 49"/>
-          <p:cNvSpPr/>
-          <p:nvPr/>
-        </p:nvSpPr>
-        <p:spPr>
-          <a:xfrm rot="10812296">
-            <a:off x="2436734" y="4704507"/>
-            <a:ext cx="2782684" cy="288032"/>
-          </a:xfrm>
-          <a:prstGeom prst="leftArrow">
-            <a:avLst/>
-          </a:prstGeom>
-          <a:solidFill>
-            <a:schemeClr val="accent6"/>
-          </a:solidFill>
-          <a:ln>
-            <a:noFill/>
           </a:ln>
         </p:spPr>
         <p:style>
@@ -9039,6 +8352,354 @@
           </a:prstGeom>
         </p:spPr>
       </p:pic>
+      <p:sp>
+        <p:nvSpPr>
+          <p:cNvPr id="27" name="TextBox 26"/>
+          <p:cNvSpPr txBox="1"/>
+          <p:nvPr/>
+        </p:nvSpPr>
+        <p:spPr>
+          <a:xfrm>
+            <a:off x="4302532" y="2814980"/>
+            <a:ext cx="882440" cy="369332"/>
+          </a:xfrm>
+          <a:prstGeom prst="rect">
+            <a:avLst/>
+          </a:prstGeom>
+          <a:noFill/>
+        </p:spPr>
+        <p:txBody>
+          <a:bodyPr wrap="square" rtlCol="0">
+            <a:spAutoFit/>
+          </a:bodyPr>
+          <a:lstStyle/>
+          <a:p>
+            <a:r>
+              <a:rPr lang="ko-KR" altLang="en-US" dirty="0" smtClean="0">
+                <a:latin typeface="나눔스퀘어 ExtraBold" pitchFamily="50" charset="-127"/>
+                <a:ea typeface="나눔스퀘어 ExtraBold" pitchFamily="50" charset="-127"/>
+              </a:rPr>
+              <a:t>요</a:t>
+            </a:r>
+            <a:r>
+              <a:rPr lang="ko-KR" altLang="en-US" dirty="0">
+                <a:latin typeface="나눔스퀘어 ExtraBold" pitchFamily="50" charset="-127"/>
+                <a:ea typeface="나눔스퀘어 ExtraBold" pitchFamily="50" charset="-127"/>
+              </a:rPr>
+              <a:t>청</a:t>
+            </a:r>
+          </a:p>
+        </p:txBody>
+      </p:sp>
+      <p:sp>
+        <p:nvSpPr>
+          <p:cNvPr id="28" name="TextBox 27"/>
+          <p:cNvSpPr txBox="1"/>
+          <p:nvPr/>
+        </p:nvSpPr>
+        <p:spPr>
+          <a:xfrm>
+            <a:off x="2548810" y="3662973"/>
+            <a:ext cx="882440" cy="369332"/>
+          </a:xfrm>
+          <a:prstGeom prst="rect">
+            <a:avLst/>
+          </a:prstGeom>
+          <a:noFill/>
+        </p:spPr>
+        <p:txBody>
+          <a:bodyPr wrap="square" rtlCol="0">
+            <a:spAutoFit/>
+          </a:bodyPr>
+          <a:lstStyle/>
+          <a:p>
+            <a:r>
+              <a:rPr lang="ko-KR" altLang="en-US" dirty="0" smtClean="0">
+                <a:latin typeface="나눔스퀘어 ExtraBold" pitchFamily="50" charset="-127"/>
+                <a:ea typeface="나눔스퀘어 ExtraBold" pitchFamily="50" charset="-127"/>
+              </a:rPr>
+              <a:t>응</a:t>
+            </a:r>
+            <a:r>
+              <a:rPr lang="ko-KR" altLang="en-US" dirty="0">
+                <a:latin typeface="나눔스퀘어 ExtraBold" pitchFamily="50" charset="-127"/>
+                <a:ea typeface="나눔스퀘어 ExtraBold" pitchFamily="50" charset="-127"/>
+              </a:rPr>
+              <a:t>답</a:t>
+            </a:r>
+          </a:p>
+        </p:txBody>
+      </p:sp>
+      <p:sp>
+        <p:nvSpPr>
+          <p:cNvPr id="32" name="왼쪽 화살표 31"/>
+          <p:cNvSpPr/>
+          <p:nvPr/>
+        </p:nvSpPr>
+        <p:spPr>
+          <a:xfrm>
+            <a:off x="2428106" y="3373581"/>
+            <a:ext cx="2773668" cy="288032"/>
+          </a:xfrm>
+          <a:prstGeom prst="leftArrow">
+            <a:avLst/>
+          </a:prstGeom>
+          <a:solidFill>
+            <a:schemeClr val="bg1">
+              <a:lumMod val="75000"/>
+            </a:schemeClr>
+          </a:solidFill>
+          <a:ln>
+            <a:noFill/>
+          </a:ln>
+        </p:spPr>
+        <p:style>
+          <a:lnRef idx="2">
+            <a:schemeClr val="accent1">
+              <a:shade val="50000"/>
+            </a:schemeClr>
+          </a:lnRef>
+          <a:fillRef idx="1">
+            <a:schemeClr val="accent1"/>
+          </a:fillRef>
+          <a:effectRef idx="0">
+            <a:schemeClr val="accent1"/>
+          </a:effectRef>
+          <a:fontRef idx="minor">
+            <a:schemeClr val="lt1"/>
+          </a:fontRef>
+        </p:style>
+        <p:txBody>
+          <a:bodyPr rtlCol="0" anchor="ctr"/>
+          <a:lstStyle/>
+          <a:p>
+            <a:pPr algn="ctr"/>
+            <a:endParaRPr lang="ko-KR" altLang="en-US"/>
+          </a:p>
+        </p:txBody>
+      </p:sp>
+      <p:sp>
+        <p:nvSpPr>
+          <p:cNvPr id="38" name="왼쪽 화살표 37"/>
+          <p:cNvSpPr/>
+          <p:nvPr/>
+        </p:nvSpPr>
+        <p:spPr>
+          <a:xfrm rot="10812296">
+            <a:off x="2494128" y="3080620"/>
+            <a:ext cx="2756580" cy="288032"/>
+          </a:xfrm>
+          <a:prstGeom prst="leftArrow">
+            <a:avLst/>
+          </a:prstGeom>
+          <a:solidFill>
+            <a:schemeClr val="bg1">
+              <a:lumMod val="75000"/>
+            </a:schemeClr>
+          </a:solidFill>
+          <a:ln>
+            <a:noFill/>
+          </a:ln>
+        </p:spPr>
+        <p:style>
+          <a:lnRef idx="2">
+            <a:schemeClr val="accent1">
+              <a:shade val="50000"/>
+            </a:schemeClr>
+          </a:lnRef>
+          <a:fillRef idx="1">
+            <a:schemeClr val="accent1"/>
+          </a:fillRef>
+          <a:effectRef idx="0">
+            <a:schemeClr val="accent1"/>
+          </a:effectRef>
+          <a:fontRef idx="minor">
+            <a:schemeClr val="lt1"/>
+          </a:fontRef>
+        </p:style>
+        <p:txBody>
+          <a:bodyPr rtlCol="0" anchor="ctr"/>
+          <a:lstStyle/>
+          <a:p>
+            <a:pPr algn="ctr"/>
+            <a:endParaRPr lang="ko-KR" altLang="en-US"/>
+          </a:p>
+        </p:txBody>
+      </p:sp>
+      <p:sp>
+        <p:nvSpPr>
+          <p:cNvPr id="39" name="TextBox 38"/>
+          <p:cNvSpPr txBox="1"/>
+          <p:nvPr/>
+        </p:nvSpPr>
+        <p:spPr>
+          <a:xfrm>
+            <a:off x="4236290" y="4198964"/>
+            <a:ext cx="882440" cy="369332"/>
+          </a:xfrm>
+          <a:prstGeom prst="rect">
+            <a:avLst/>
+          </a:prstGeom>
+          <a:noFill/>
+        </p:spPr>
+        <p:txBody>
+          <a:bodyPr wrap="square" rtlCol="0">
+            <a:spAutoFit/>
+          </a:bodyPr>
+          <a:lstStyle/>
+          <a:p>
+            <a:r>
+              <a:rPr lang="ko-KR" altLang="en-US" dirty="0" smtClean="0">
+                <a:latin typeface="나눔스퀘어 ExtraBold" pitchFamily="50" charset="-127"/>
+                <a:ea typeface="나눔스퀘어 ExtraBold" pitchFamily="50" charset="-127"/>
+              </a:rPr>
+              <a:t>요</a:t>
+            </a:r>
+            <a:r>
+              <a:rPr lang="ko-KR" altLang="en-US" dirty="0">
+                <a:latin typeface="나눔스퀘어 ExtraBold" pitchFamily="50" charset="-127"/>
+                <a:ea typeface="나눔스퀘어 ExtraBold" pitchFamily="50" charset="-127"/>
+              </a:rPr>
+              <a:t>청</a:t>
+            </a:r>
+          </a:p>
+        </p:txBody>
+      </p:sp>
+      <p:sp>
+        <p:nvSpPr>
+          <p:cNvPr id="40" name="TextBox 39"/>
+          <p:cNvSpPr txBox="1"/>
+          <p:nvPr/>
+        </p:nvSpPr>
+        <p:spPr>
+          <a:xfrm>
+            <a:off x="2482568" y="5046957"/>
+            <a:ext cx="882440" cy="369332"/>
+          </a:xfrm>
+          <a:prstGeom prst="rect">
+            <a:avLst/>
+          </a:prstGeom>
+          <a:noFill/>
+        </p:spPr>
+        <p:txBody>
+          <a:bodyPr wrap="square" rtlCol="0">
+            <a:spAutoFit/>
+          </a:bodyPr>
+          <a:lstStyle/>
+          <a:p>
+            <a:r>
+              <a:rPr lang="ko-KR" altLang="en-US" dirty="0" smtClean="0">
+                <a:latin typeface="나눔스퀘어 ExtraBold" pitchFamily="50" charset="-127"/>
+                <a:ea typeface="나눔스퀘어 ExtraBold" pitchFamily="50" charset="-127"/>
+              </a:rPr>
+              <a:t>응</a:t>
+            </a:r>
+            <a:r>
+              <a:rPr lang="ko-KR" altLang="en-US" dirty="0">
+                <a:latin typeface="나눔스퀘어 ExtraBold" pitchFamily="50" charset="-127"/>
+                <a:ea typeface="나눔스퀘어 ExtraBold" pitchFamily="50" charset="-127"/>
+              </a:rPr>
+              <a:t>답</a:t>
+            </a:r>
+          </a:p>
+        </p:txBody>
+      </p:sp>
+      <p:sp>
+        <p:nvSpPr>
+          <p:cNvPr id="41" name="왼쪽 화살표 40"/>
+          <p:cNvSpPr/>
+          <p:nvPr/>
+        </p:nvSpPr>
+        <p:spPr>
+          <a:xfrm>
+            <a:off x="2361864" y="4757565"/>
+            <a:ext cx="2773668" cy="288032"/>
+          </a:xfrm>
+          <a:prstGeom prst="leftArrow">
+            <a:avLst/>
+          </a:prstGeom>
+          <a:solidFill>
+            <a:schemeClr val="bg1">
+              <a:lumMod val="75000"/>
+            </a:schemeClr>
+          </a:solidFill>
+          <a:ln>
+            <a:noFill/>
+          </a:ln>
+        </p:spPr>
+        <p:style>
+          <a:lnRef idx="2">
+            <a:schemeClr val="accent1">
+              <a:shade val="50000"/>
+            </a:schemeClr>
+          </a:lnRef>
+          <a:fillRef idx="1">
+            <a:schemeClr val="accent1"/>
+          </a:fillRef>
+          <a:effectRef idx="0">
+            <a:schemeClr val="accent1"/>
+          </a:effectRef>
+          <a:fontRef idx="minor">
+            <a:schemeClr val="lt1"/>
+          </a:fontRef>
+        </p:style>
+        <p:txBody>
+          <a:bodyPr rtlCol="0" anchor="ctr"/>
+          <a:lstStyle/>
+          <a:p>
+            <a:pPr algn="ctr"/>
+            <a:endParaRPr lang="ko-KR" altLang="en-US"/>
+          </a:p>
+        </p:txBody>
+      </p:sp>
+      <p:sp>
+        <p:nvSpPr>
+          <p:cNvPr id="52" name="왼쪽 화살표 51"/>
+          <p:cNvSpPr/>
+          <p:nvPr/>
+        </p:nvSpPr>
+        <p:spPr>
+          <a:xfrm rot="10812296">
+            <a:off x="2427886" y="4464604"/>
+            <a:ext cx="2756580" cy="288032"/>
+          </a:xfrm>
+          <a:prstGeom prst="leftArrow">
+            <a:avLst/>
+          </a:prstGeom>
+          <a:solidFill>
+            <a:schemeClr val="bg1">
+              <a:lumMod val="75000"/>
+            </a:schemeClr>
+          </a:solidFill>
+          <a:ln>
+            <a:noFill/>
+          </a:ln>
+        </p:spPr>
+        <p:style>
+          <a:lnRef idx="2">
+            <a:schemeClr val="accent1">
+              <a:shade val="50000"/>
+            </a:schemeClr>
+          </a:lnRef>
+          <a:fillRef idx="1">
+            <a:schemeClr val="accent1"/>
+          </a:fillRef>
+          <a:effectRef idx="0">
+            <a:schemeClr val="accent1"/>
+          </a:effectRef>
+          <a:fontRef idx="minor">
+            <a:schemeClr val="lt1"/>
+          </a:fontRef>
+        </p:style>
+        <p:txBody>
+          <a:bodyPr rtlCol="0" anchor="ctr"/>
+          <a:lstStyle/>
+          <a:p>
+            <a:pPr algn="ctr"/>
+            <a:endParaRPr lang="ko-KR" altLang="en-US"/>
+          </a:p>
+        </p:txBody>
+      </p:sp>
     </p:spTree>
     <p:extLst>
       <p:ext uri="{BB962C8B-B14F-4D97-AF65-F5344CB8AC3E}">
@@ -9762,10 +9423,7 @@
           <a:noFill/>
           <a:ln>
             <a:solidFill>
-              <a:schemeClr val="tx1">
-                <a:lumMod val="50000"/>
-                <a:lumOff val="50000"/>
-              </a:schemeClr>
+              <a:schemeClr val="accent6"/>
             </a:solidFill>
           </a:ln>
         </p:spPr>
@@ -9794,39 +9452,944 @@
           </a:p>
         </p:txBody>
       </p:sp>
-      <p:sp>
-        <p:nvSpPr>
-          <p:cNvPr id="32" name="TextBox 31"/>
-          <p:cNvSpPr txBox="1"/>
+      <p:pic>
+        <p:nvPicPr>
+          <p:cNvPr id="5" name="그림 4"/>
+          <p:cNvPicPr>
+            <a:picLocks noChangeAspect="1"/>
+          </p:cNvPicPr>
           <p:nvPr/>
-        </p:nvSpPr>
+        </p:nvPicPr>
+        <p:blipFill>
+          <a:blip r:embed="rId2" cstate="print">
+            <a:extLst>
+              <a:ext uri="{28A0092B-C50C-407E-A947-70E740481C1C}">
+                <a14:useLocalDpi xmlns:a14="http://schemas.microsoft.com/office/drawing/2010/main" val="0"/>
+              </a:ext>
+            </a:extLst>
+          </a:blip>
+          <a:stretch>
+            <a:fillRect/>
+          </a:stretch>
+        </p:blipFill>
         <p:spPr>
           <a:xfrm>
-            <a:off x="7164288" y="1484784"/>
-            <a:ext cx="1135516" cy="646331"/>
+            <a:off x="1190057" y="1637801"/>
+            <a:ext cx="702077" cy="702077"/>
           </a:xfrm>
           <a:prstGeom prst="rect">
             <a:avLst/>
           </a:prstGeom>
-          <a:noFill/>
         </p:spPr>
-        <p:txBody>
-          <a:bodyPr wrap="square" rtlCol="0">
-            <a:spAutoFit/>
-          </a:bodyPr>
+      </p:pic>
+      <p:pic>
+        <p:nvPicPr>
+          <p:cNvPr id="8" name="그림 7"/>
+          <p:cNvPicPr>
+            <a:picLocks noChangeAspect="1"/>
+          </p:cNvPicPr>
+          <p:nvPr/>
+        </p:nvPicPr>
+        <p:blipFill>
+          <a:blip r:embed="rId2" cstate="print">
+            <a:extLst>
+              <a:ext uri="{28A0092B-C50C-407E-A947-70E740481C1C}">
+                <a14:useLocalDpi xmlns:a14="http://schemas.microsoft.com/office/drawing/2010/main" val="0"/>
+              </a:ext>
+            </a:extLst>
+          </a:blip>
+          <a:stretch>
+            <a:fillRect/>
+          </a:stretch>
+        </p:blipFill>
+        <p:spPr>
+          <a:xfrm>
+            <a:off x="1190055" y="2573905"/>
+            <a:ext cx="702077" cy="702077"/>
+          </a:xfrm>
+          <a:prstGeom prst="rect">
+            <a:avLst/>
+          </a:prstGeom>
+        </p:spPr>
+      </p:pic>
+      <p:pic>
+        <p:nvPicPr>
+          <p:cNvPr id="9" name="그림 8"/>
+          <p:cNvPicPr>
+            <a:picLocks noChangeAspect="1"/>
+          </p:cNvPicPr>
+          <p:nvPr/>
+        </p:nvPicPr>
+        <p:blipFill>
+          <a:blip r:embed="rId2" cstate="print">
+            <a:extLst>
+              <a:ext uri="{28A0092B-C50C-407E-A947-70E740481C1C}">
+                <a14:useLocalDpi xmlns:a14="http://schemas.microsoft.com/office/drawing/2010/main" val="0"/>
+              </a:ext>
+            </a:extLst>
+          </a:blip>
+          <a:stretch>
+            <a:fillRect/>
+          </a:stretch>
+        </p:blipFill>
+        <p:spPr>
+          <a:xfrm>
+            <a:off x="1190057" y="4446113"/>
+            <a:ext cx="702077" cy="702077"/>
+          </a:xfrm>
+          <a:prstGeom prst="rect">
+            <a:avLst/>
+          </a:prstGeom>
+        </p:spPr>
+      </p:pic>
+      <p:pic>
+        <p:nvPicPr>
+          <p:cNvPr id="10" name="그림 9"/>
+          <p:cNvPicPr>
+            <a:picLocks noChangeAspect="1"/>
+          </p:cNvPicPr>
+          <p:nvPr/>
+        </p:nvPicPr>
+        <p:blipFill>
+          <a:blip r:embed="rId2" cstate="print">
+            <a:extLst>
+              <a:ext uri="{28A0092B-C50C-407E-A947-70E740481C1C}">
+                <a14:useLocalDpi xmlns:a14="http://schemas.microsoft.com/office/drawing/2010/main" val="0"/>
+              </a:ext>
+            </a:extLst>
+          </a:blip>
+          <a:stretch>
+            <a:fillRect/>
+          </a:stretch>
+        </p:blipFill>
+        <p:spPr>
+          <a:xfrm>
+            <a:off x="1190056" y="3537013"/>
+            <a:ext cx="702077" cy="702077"/>
+          </a:xfrm>
+          <a:prstGeom prst="rect">
+            <a:avLst/>
+          </a:prstGeom>
+        </p:spPr>
+      </p:pic>
+      <p:sp>
+        <p:nvSpPr>
+          <p:cNvPr id="11" name="모서리가 둥근 직사각형 10"/>
+          <p:cNvSpPr/>
+          <p:nvPr/>
+        </p:nvSpPr>
+        <p:spPr>
+          <a:xfrm>
+            <a:off x="5717316" y="1916830"/>
+            <a:ext cx="1590988" cy="648073"/>
+          </a:xfrm>
+          <a:prstGeom prst="roundRect">
+            <a:avLst/>
+          </a:prstGeom>
+          <a:solidFill>
+            <a:schemeClr val="bg1">
+              <a:lumMod val="65000"/>
+            </a:schemeClr>
+          </a:solidFill>
+          <a:ln>
+            <a:noFill/>
+          </a:ln>
+        </p:spPr>
+        <p:style>
+          <a:lnRef idx="2">
+            <a:schemeClr val="accent1">
+              <a:shade val="50000"/>
+            </a:schemeClr>
+          </a:lnRef>
+          <a:fillRef idx="1">
+            <a:schemeClr val="accent1"/>
+          </a:fillRef>
+          <a:effectRef idx="0">
+            <a:schemeClr val="accent1"/>
+          </a:effectRef>
+          <a:fontRef idx="minor">
+            <a:schemeClr val="lt1"/>
+          </a:fontRef>
+        </p:style>
+        <p:txBody>
+          <a:bodyPr rtlCol="0" anchor="ctr"/>
           <a:lstStyle/>
           <a:p>
-            <a:r>
-              <a:rPr lang="en-US" altLang="ko-KR" sz="3600" dirty="0" err="1" smtClean="0">
+            <a:pPr algn="ctr"/>
+            <a:r>
+              <a:rPr lang="en-US" altLang="ko-KR" dirty="0" smtClean="0">
                 <a:latin typeface="나눔스퀘어 ExtraBold" pitchFamily="50" charset="-127"/>
                 <a:ea typeface="나눔스퀘어 ExtraBold" pitchFamily="50" charset="-127"/>
               </a:rPr>
-              <a:t>prj</a:t>
-            </a:r>
-            <a:endParaRPr lang="ko-KR" altLang="en-US" sz="3600" dirty="0">
+              <a:t>Servlet01</a:t>
+            </a:r>
+            <a:endParaRPr lang="ko-KR" altLang="en-US" dirty="0">
               <a:latin typeface="나눔스퀘어 ExtraBold" pitchFamily="50" charset="-127"/>
               <a:ea typeface="나눔스퀘어 ExtraBold" pitchFamily="50" charset="-127"/>
             </a:endParaRPr>
+          </a:p>
+        </p:txBody>
+      </p:sp>
+      <p:sp>
+        <p:nvSpPr>
+          <p:cNvPr id="12" name="모서리가 둥근 직사각형 11"/>
+          <p:cNvSpPr/>
+          <p:nvPr/>
+        </p:nvSpPr>
+        <p:spPr>
+          <a:xfrm>
+            <a:off x="6732239" y="3027144"/>
+            <a:ext cx="1422545" cy="576064"/>
+          </a:xfrm>
+          <a:prstGeom prst="roundRect">
+            <a:avLst/>
+          </a:prstGeom>
+          <a:solidFill>
+            <a:schemeClr val="bg1">
+              <a:lumMod val="65000"/>
+            </a:schemeClr>
+          </a:solidFill>
+          <a:ln>
+            <a:noFill/>
+          </a:ln>
+        </p:spPr>
+        <p:style>
+          <a:lnRef idx="2">
+            <a:schemeClr val="accent1">
+              <a:shade val="50000"/>
+            </a:schemeClr>
+          </a:lnRef>
+          <a:fillRef idx="1">
+            <a:schemeClr val="accent1"/>
+          </a:fillRef>
+          <a:effectRef idx="0">
+            <a:schemeClr val="accent1"/>
+          </a:effectRef>
+          <a:fontRef idx="minor">
+            <a:schemeClr val="lt1"/>
+          </a:fontRef>
+        </p:style>
+        <p:txBody>
+          <a:bodyPr rtlCol="0" anchor="ctr"/>
+          <a:lstStyle/>
+          <a:p>
+            <a:pPr algn="ctr"/>
+            <a:r>
+              <a:rPr lang="en-US" altLang="ko-KR" dirty="0" smtClean="0">
+                <a:latin typeface="나눔스퀘어 ExtraBold" pitchFamily="50" charset="-127"/>
+                <a:ea typeface="나눔스퀘어 ExtraBold" pitchFamily="50" charset="-127"/>
+              </a:rPr>
+              <a:t>Serlvet02</a:t>
+            </a:r>
+            <a:endParaRPr lang="ko-KR" altLang="en-US" sz="1600" dirty="0">
+              <a:latin typeface="나눔스퀘어 ExtraBold" pitchFamily="50" charset="-127"/>
+              <a:ea typeface="나눔스퀘어 ExtraBold" pitchFamily="50" charset="-127"/>
+            </a:endParaRPr>
+          </a:p>
+        </p:txBody>
+      </p:sp>
+      <p:sp>
+        <p:nvSpPr>
+          <p:cNvPr id="13" name="모서리가 둥근 직사각형 12"/>
+          <p:cNvSpPr/>
+          <p:nvPr/>
+        </p:nvSpPr>
+        <p:spPr>
+          <a:xfrm>
+            <a:off x="5796136" y="4437111"/>
+            <a:ext cx="1422545" cy="576064"/>
+          </a:xfrm>
+          <a:prstGeom prst="roundRect">
+            <a:avLst/>
+          </a:prstGeom>
+          <a:solidFill>
+            <a:schemeClr val="bg1">
+              <a:lumMod val="65000"/>
+            </a:schemeClr>
+          </a:solidFill>
+          <a:ln>
+            <a:noFill/>
+          </a:ln>
+        </p:spPr>
+        <p:style>
+          <a:lnRef idx="2">
+            <a:schemeClr val="accent1">
+              <a:shade val="50000"/>
+            </a:schemeClr>
+          </a:lnRef>
+          <a:fillRef idx="1">
+            <a:schemeClr val="accent1"/>
+          </a:fillRef>
+          <a:effectRef idx="0">
+            <a:schemeClr val="accent1"/>
+          </a:effectRef>
+          <a:fontRef idx="minor">
+            <a:schemeClr val="lt1"/>
+          </a:fontRef>
+        </p:style>
+        <p:txBody>
+          <a:bodyPr rtlCol="0" anchor="ctr"/>
+          <a:lstStyle/>
+          <a:p>
+            <a:pPr algn="ctr"/>
+            <a:r>
+              <a:rPr lang="en-US" altLang="ko-KR" sz="2800" dirty="0" smtClean="0">
+                <a:latin typeface="나눔스퀘어 ExtraBold" pitchFamily="50" charset="-127"/>
+                <a:ea typeface="나눔스퀘어 ExtraBold" pitchFamily="50" charset="-127"/>
+              </a:rPr>
+              <a:t>JSP</a:t>
+            </a:r>
+            <a:endParaRPr lang="ko-KR" altLang="en-US" dirty="0">
+              <a:latin typeface="나눔스퀘어 ExtraBold" pitchFamily="50" charset="-127"/>
+              <a:ea typeface="나눔스퀘어 ExtraBold" pitchFamily="50" charset="-127"/>
+            </a:endParaRPr>
+          </a:p>
+        </p:txBody>
+      </p:sp>
+      <p:cxnSp>
+        <p:nvCxnSpPr>
+          <p:cNvPr id="14" name="직선 화살표 연결선 13"/>
+          <p:cNvCxnSpPr/>
+          <p:nvPr/>
+        </p:nvCxnSpPr>
+        <p:spPr>
+          <a:xfrm>
+            <a:off x="7123017" y="2549042"/>
+            <a:ext cx="370573" cy="521654"/>
+          </a:xfrm>
+          <a:prstGeom prst="straightConnector1">
+            <a:avLst/>
+          </a:prstGeom>
+          <a:ln w="34925">
+            <a:solidFill>
+              <a:schemeClr val="tx1"/>
+            </a:solidFill>
+            <a:tailEnd type="arrow"/>
+          </a:ln>
+        </p:spPr>
+        <p:style>
+          <a:lnRef idx="1">
+            <a:schemeClr val="accent1"/>
+          </a:lnRef>
+          <a:fillRef idx="0">
+            <a:schemeClr val="accent1"/>
+          </a:fillRef>
+          <a:effectRef idx="0">
+            <a:schemeClr val="accent1"/>
+          </a:effectRef>
+          <a:fontRef idx="minor">
+            <a:schemeClr val="tx1"/>
+          </a:fontRef>
+        </p:style>
+      </p:cxnSp>
+      <p:cxnSp>
+        <p:nvCxnSpPr>
+          <p:cNvPr id="15" name="직선 화살표 연결선 14"/>
+          <p:cNvCxnSpPr>
+            <a:endCxn id="13" idx="0"/>
+          </p:cNvCxnSpPr>
+          <p:nvPr/>
+        </p:nvCxnSpPr>
+        <p:spPr>
+          <a:xfrm flipH="1">
+            <a:off x="6507409" y="3603208"/>
+            <a:ext cx="711272" cy="833903"/>
+          </a:xfrm>
+          <a:prstGeom prst="straightConnector1">
+            <a:avLst/>
+          </a:prstGeom>
+          <a:ln w="34925">
+            <a:solidFill>
+              <a:schemeClr val="tx1"/>
+            </a:solidFill>
+            <a:tailEnd type="arrow"/>
+          </a:ln>
+        </p:spPr>
+        <p:style>
+          <a:lnRef idx="1">
+            <a:schemeClr val="accent1"/>
+          </a:lnRef>
+          <a:fillRef idx="0">
+            <a:schemeClr val="accent1"/>
+          </a:fillRef>
+          <a:effectRef idx="0">
+            <a:schemeClr val="accent1"/>
+          </a:effectRef>
+          <a:fontRef idx="minor">
+            <a:schemeClr val="tx1"/>
+          </a:fontRef>
+        </p:style>
+      </p:cxnSp>
+      <p:cxnSp>
+        <p:nvCxnSpPr>
+          <p:cNvPr id="16" name="직선 화살표 연결선 15"/>
+          <p:cNvCxnSpPr/>
+          <p:nvPr/>
+        </p:nvCxnSpPr>
+        <p:spPr>
+          <a:xfrm>
+            <a:off x="7123017" y="4869160"/>
+            <a:ext cx="401311" cy="0"/>
+          </a:xfrm>
+          <a:prstGeom prst="straightConnector1">
+            <a:avLst/>
+          </a:prstGeom>
+          <a:ln w="34925">
+            <a:solidFill>
+              <a:schemeClr val="tx1"/>
+            </a:solidFill>
+            <a:tailEnd type="arrow"/>
+          </a:ln>
+        </p:spPr>
+        <p:style>
+          <a:lnRef idx="1">
+            <a:schemeClr val="accent1"/>
+          </a:lnRef>
+          <a:fillRef idx="0">
+            <a:schemeClr val="accent1"/>
+          </a:fillRef>
+          <a:effectRef idx="0">
+            <a:schemeClr val="accent1"/>
+          </a:effectRef>
+          <a:fontRef idx="minor">
+            <a:schemeClr val="tx1"/>
+          </a:fontRef>
+        </p:style>
+      </p:cxnSp>
+      <p:sp>
+        <p:nvSpPr>
+          <p:cNvPr id="17" name="모서리가 둥근 직사각형 16"/>
+          <p:cNvSpPr/>
+          <p:nvPr/>
+        </p:nvSpPr>
+        <p:spPr>
+          <a:xfrm>
+            <a:off x="7668344" y="4648943"/>
+            <a:ext cx="564274" cy="152400"/>
+          </a:xfrm>
+          <a:prstGeom prst="roundRect">
+            <a:avLst/>
+          </a:prstGeom>
+          <a:solidFill>
+            <a:schemeClr val="bg1">
+              <a:lumMod val="65000"/>
+            </a:schemeClr>
+          </a:solidFill>
+          <a:ln>
+            <a:noFill/>
+          </a:ln>
+        </p:spPr>
+        <p:style>
+          <a:lnRef idx="2">
+            <a:schemeClr val="accent1">
+              <a:shade val="50000"/>
+            </a:schemeClr>
+          </a:lnRef>
+          <a:fillRef idx="1">
+            <a:schemeClr val="accent1"/>
+          </a:fillRef>
+          <a:effectRef idx="0">
+            <a:schemeClr val="accent1"/>
+          </a:effectRef>
+          <a:fontRef idx="minor">
+            <a:schemeClr val="lt1"/>
+          </a:fontRef>
+        </p:style>
+        <p:txBody>
+          <a:bodyPr rtlCol="0" anchor="ctr"/>
+          <a:lstStyle/>
+          <a:p>
+            <a:pPr algn="ctr"/>
+            <a:endParaRPr lang="ko-KR" altLang="en-US" dirty="0">
+              <a:latin typeface="나눔스퀘어 ExtraBold" pitchFamily="50" charset="-127"/>
+              <a:ea typeface="나눔스퀘어 ExtraBold" pitchFamily="50" charset="-127"/>
+            </a:endParaRPr>
+          </a:p>
+        </p:txBody>
+      </p:sp>
+      <p:sp>
+        <p:nvSpPr>
+          <p:cNvPr id="18" name="모서리가 둥근 직사각형 17"/>
+          <p:cNvSpPr/>
+          <p:nvPr/>
+        </p:nvSpPr>
+        <p:spPr>
+          <a:xfrm>
+            <a:off x="7386207" y="5233392"/>
+            <a:ext cx="354145" cy="76200"/>
+          </a:xfrm>
+          <a:prstGeom prst="roundRect">
+            <a:avLst/>
+          </a:prstGeom>
+          <a:solidFill>
+            <a:schemeClr val="bg1">
+              <a:lumMod val="65000"/>
+            </a:schemeClr>
+          </a:solidFill>
+          <a:ln>
+            <a:noFill/>
+          </a:ln>
+        </p:spPr>
+        <p:style>
+          <a:lnRef idx="2">
+            <a:schemeClr val="accent1">
+              <a:shade val="50000"/>
+            </a:schemeClr>
+          </a:lnRef>
+          <a:fillRef idx="1">
+            <a:schemeClr val="accent1"/>
+          </a:fillRef>
+          <a:effectRef idx="0">
+            <a:schemeClr val="accent1"/>
+          </a:effectRef>
+          <a:fontRef idx="minor">
+            <a:schemeClr val="lt1"/>
+          </a:fontRef>
+        </p:style>
+        <p:txBody>
+          <a:bodyPr rtlCol="0" anchor="ctr"/>
+          <a:lstStyle/>
+          <a:p>
+            <a:pPr algn="ctr"/>
+            <a:endParaRPr lang="ko-KR" altLang="en-US" dirty="0">
+              <a:latin typeface="나눔스퀘어 ExtraBold" pitchFamily="50" charset="-127"/>
+              <a:ea typeface="나눔스퀘어 ExtraBold" pitchFamily="50" charset="-127"/>
+            </a:endParaRPr>
+          </a:p>
+        </p:txBody>
+      </p:sp>
+      <p:sp>
+        <p:nvSpPr>
+          <p:cNvPr id="19" name="모서리가 둥근 직사각형 18"/>
+          <p:cNvSpPr/>
+          <p:nvPr/>
+        </p:nvSpPr>
+        <p:spPr>
+          <a:xfrm>
+            <a:off x="6084168" y="3776238"/>
+            <a:ext cx="564274" cy="152400"/>
+          </a:xfrm>
+          <a:prstGeom prst="roundRect">
+            <a:avLst/>
+          </a:prstGeom>
+          <a:solidFill>
+            <a:schemeClr val="bg1">
+              <a:lumMod val="65000"/>
+            </a:schemeClr>
+          </a:solidFill>
+          <a:ln>
+            <a:noFill/>
+          </a:ln>
+        </p:spPr>
+        <p:style>
+          <a:lnRef idx="2">
+            <a:schemeClr val="accent1">
+              <a:shade val="50000"/>
+            </a:schemeClr>
+          </a:lnRef>
+          <a:fillRef idx="1">
+            <a:schemeClr val="accent1"/>
+          </a:fillRef>
+          <a:effectRef idx="0">
+            <a:schemeClr val="accent1"/>
+          </a:effectRef>
+          <a:fontRef idx="minor">
+            <a:schemeClr val="lt1"/>
+          </a:fontRef>
+        </p:style>
+        <p:txBody>
+          <a:bodyPr rtlCol="0" anchor="ctr"/>
+          <a:lstStyle/>
+          <a:p>
+            <a:pPr algn="ctr"/>
+            <a:endParaRPr lang="ko-KR" altLang="en-US" dirty="0">
+              <a:latin typeface="나눔스퀘어 ExtraBold" pitchFamily="50" charset="-127"/>
+              <a:ea typeface="나눔스퀘어 ExtraBold" pitchFamily="50" charset="-127"/>
+            </a:endParaRPr>
+          </a:p>
+        </p:txBody>
+      </p:sp>
+      <p:sp>
+        <p:nvSpPr>
+          <p:cNvPr id="20" name="왼쪽 화살표 19"/>
+          <p:cNvSpPr/>
+          <p:nvPr/>
+        </p:nvSpPr>
+        <p:spPr>
+          <a:xfrm>
+            <a:off x="2147976" y="2017187"/>
+            <a:ext cx="2773668" cy="288032"/>
+          </a:xfrm>
+          <a:prstGeom prst="leftArrow">
+            <a:avLst/>
+          </a:prstGeom>
+          <a:solidFill>
+            <a:schemeClr val="bg1">
+              <a:lumMod val="75000"/>
+            </a:schemeClr>
+          </a:solidFill>
+          <a:ln>
+            <a:noFill/>
+          </a:ln>
+        </p:spPr>
+        <p:style>
+          <a:lnRef idx="2">
+            <a:schemeClr val="accent1">
+              <a:shade val="50000"/>
+            </a:schemeClr>
+          </a:lnRef>
+          <a:fillRef idx="1">
+            <a:schemeClr val="accent1"/>
+          </a:fillRef>
+          <a:effectRef idx="0">
+            <a:schemeClr val="accent1"/>
+          </a:effectRef>
+          <a:fontRef idx="minor">
+            <a:schemeClr val="lt1"/>
+          </a:fontRef>
+        </p:style>
+        <p:txBody>
+          <a:bodyPr rtlCol="0" anchor="ctr"/>
+          <a:lstStyle/>
+          <a:p>
+            <a:pPr algn="ctr"/>
+            <a:endParaRPr lang="ko-KR" altLang="en-US"/>
+          </a:p>
+        </p:txBody>
+      </p:sp>
+      <p:sp>
+        <p:nvSpPr>
+          <p:cNvPr id="21" name="왼쪽 화살표 20"/>
+          <p:cNvSpPr/>
+          <p:nvPr/>
+        </p:nvSpPr>
+        <p:spPr>
+          <a:xfrm rot="10812296">
+            <a:off x="2213998" y="1724226"/>
+            <a:ext cx="2756580" cy="288032"/>
+          </a:xfrm>
+          <a:prstGeom prst="leftArrow">
+            <a:avLst/>
+          </a:prstGeom>
+          <a:solidFill>
+            <a:schemeClr val="bg1">
+              <a:lumMod val="75000"/>
+            </a:schemeClr>
+          </a:solidFill>
+          <a:ln>
+            <a:noFill/>
+          </a:ln>
+        </p:spPr>
+        <p:style>
+          <a:lnRef idx="2">
+            <a:schemeClr val="accent1">
+              <a:shade val="50000"/>
+            </a:schemeClr>
+          </a:lnRef>
+          <a:fillRef idx="1">
+            <a:schemeClr val="accent1"/>
+          </a:fillRef>
+          <a:effectRef idx="0">
+            <a:schemeClr val="accent1"/>
+          </a:effectRef>
+          <a:fontRef idx="minor">
+            <a:schemeClr val="lt1"/>
+          </a:fontRef>
+        </p:style>
+        <p:txBody>
+          <a:bodyPr rtlCol="0" anchor="ctr"/>
+          <a:lstStyle/>
+          <a:p>
+            <a:pPr algn="ctr"/>
+            <a:endParaRPr lang="ko-KR" altLang="en-US"/>
+          </a:p>
+        </p:txBody>
+      </p:sp>
+      <p:sp>
+        <p:nvSpPr>
+          <p:cNvPr id="22" name="왼쪽 화살표 21"/>
+          <p:cNvSpPr/>
+          <p:nvPr/>
+        </p:nvSpPr>
+        <p:spPr>
+          <a:xfrm>
+            <a:off x="2222116" y="2987161"/>
+            <a:ext cx="2773668" cy="288032"/>
+          </a:xfrm>
+          <a:prstGeom prst="leftArrow">
+            <a:avLst/>
+          </a:prstGeom>
+          <a:solidFill>
+            <a:schemeClr val="bg1">
+              <a:lumMod val="75000"/>
+            </a:schemeClr>
+          </a:solidFill>
+          <a:ln>
+            <a:noFill/>
+          </a:ln>
+        </p:spPr>
+        <p:style>
+          <a:lnRef idx="2">
+            <a:schemeClr val="accent1">
+              <a:shade val="50000"/>
+            </a:schemeClr>
+          </a:lnRef>
+          <a:fillRef idx="1">
+            <a:schemeClr val="accent1"/>
+          </a:fillRef>
+          <a:effectRef idx="0">
+            <a:schemeClr val="accent1"/>
+          </a:effectRef>
+          <a:fontRef idx="minor">
+            <a:schemeClr val="lt1"/>
+          </a:fontRef>
+        </p:style>
+        <p:txBody>
+          <a:bodyPr rtlCol="0" anchor="ctr"/>
+          <a:lstStyle/>
+          <a:p>
+            <a:pPr algn="ctr"/>
+            <a:endParaRPr lang="ko-KR" altLang="en-US"/>
+          </a:p>
+        </p:txBody>
+      </p:sp>
+      <p:sp>
+        <p:nvSpPr>
+          <p:cNvPr id="23" name="왼쪽 화살표 22"/>
+          <p:cNvSpPr/>
+          <p:nvPr/>
+        </p:nvSpPr>
+        <p:spPr>
+          <a:xfrm rot="10812296">
+            <a:off x="2288138" y="2694200"/>
+            <a:ext cx="2756580" cy="288032"/>
+          </a:xfrm>
+          <a:prstGeom prst="leftArrow">
+            <a:avLst/>
+          </a:prstGeom>
+          <a:solidFill>
+            <a:schemeClr val="bg1">
+              <a:lumMod val="75000"/>
+            </a:schemeClr>
+          </a:solidFill>
+          <a:ln>
+            <a:noFill/>
+          </a:ln>
+        </p:spPr>
+        <p:style>
+          <a:lnRef idx="2">
+            <a:schemeClr val="accent1">
+              <a:shade val="50000"/>
+            </a:schemeClr>
+          </a:lnRef>
+          <a:fillRef idx="1">
+            <a:schemeClr val="accent1"/>
+          </a:fillRef>
+          <a:effectRef idx="0">
+            <a:schemeClr val="accent1"/>
+          </a:effectRef>
+          <a:fontRef idx="minor">
+            <a:schemeClr val="lt1"/>
+          </a:fontRef>
+        </p:style>
+        <p:txBody>
+          <a:bodyPr rtlCol="0" anchor="ctr"/>
+          <a:lstStyle/>
+          <a:p>
+            <a:pPr algn="ctr"/>
+            <a:endParaRPr lang="ko-KR" altLang="en-US"/>
+          </a:p>
+        </p:txBody>
+      </p:sp>
+      <p:sp>
+        <p:nvSpPr>
+          <p:cNvPr id="24" name="왼쪽 화살표 23"/>
+          <p:cNvSpPr/>
+          <p:nvPr/>
+        </p:nvSpPr>
+        <p:spPr>
+          <a:xfrm>
+            <a:off x="2222117" y="3959898"/>
+            <a:ext cx="2773668" cy="288032"/>
+          </a:xfrm>
+          <a:prstGeom prst="leftArrow">
+            <a:avLst/>
+          </a:prstGeom>
+          <a:solidFill>
+            <a:schemeClr val="bg1">
+              <a:lumMod val="75000"/>
+            </a:schemeClr>
+          </a:solidFill>
+          <a:ln>
+            <a:noFill/>
+          </a:ln>
+        </p:spPr>
+        <p:style>
+          <a:lnRef idx="2">
+            <a:schemeClr val="accent1">
+              <a:shade val="50000"/>
+            </a:schemeClr>
+          </a:lnRef>
+          <a:fillRef idx="1">
+            <a:schemeClr val="accent1"/>
+          </a:fillRef>
+          <a:effectRef idx="0">
+            <a:schemeClr val="accent1"/>
+          </a:effectRef>
+          <a:fontRef idx="minor">
+            <a:schemeClr val="lt1"/>
+          </a:fontRef>
+        </p:style>
+        <p:txBody>
+          <a:bodyPr rtlCol="0" anchor="ctr"/>
+          <a:lstStyle/>
+          <a:p>
+            <a:pPr algn="ctr"/>
+            <a:endParaRPr lang="ko-KR" altLang="en-US"/>
+          </a:p>
+        </p:txBody>
+      </p:sp>
+      <p:sp>
+        <p:nvSpPr>
+          <p:cNvPr id="25" name="왼쪽 화살표 24"/>
+          <p:cNvSpPr/>
+          <p:nvPr/>
+        </p:nvSpPr>
+        <p:spPr>
+          <a:xfrm rot="10812296">
+            <a:off x="2288139" y="3666937"/>
+            <a:ext cx="2756580" cy="288032"/>
+          </a:xfrm>
+          <a:prstGeom prst="leftArrow">
+            <a:avLst/>
+          </a:prstGeom>
+          <a:solidFill>
+            <a:schemeClr val="bg1">
+              <a:lumMod val="75000"/>
+            </a:schemeClr>
+          </a:solidFill>
+          <a:ln>
+            <a:noFill/>
+          </a:ln>
+        </p:spPr>
+        <p:style>
+          <a:lnRef idx="2">
+            <a:schemeClr val="accent1">
+              <a:shade val="50000"/>
+            </a:schemeClr>
+          </a:lnRef>
+          <a:fillRef idx="1">
+            <a:schemeClr val="accent1"/>
+          </a:fillRef>
+          <a:effectRef idx="0">
+            <a:schemeClr val="accent1"/>
+          </a:effectRef>
+          <a:fontRef idx="minor">
+            <a:schemeClr val="lt1"/>
+          </a:fontRef>
+        </p:style>
+        <p:txBody>
+          <a:bodyPr rtlCol="0" anchor="ctr"/>
+          <a:lstStyle/>
+          <a:p>
+            <a:pPr algn="ctr"/>
+            <a:endParaRPr lang="ko-KR" altLang="en-US"/>
+          </a:p>
+        </p:txBody>
+      </p:sp>
+      <p:sp>
+        <p:nvSpPr>
+          <p:cNvPr id="28" name="왼쪽 화살표 27"/>
+          <p:cNvSpPr/>
+          <p:nvPr/>
+        </p:nvSpPr>
+        <p:spPr>
+          <a:xfrm>
+            <a:off x="2214078" y="4886249"/>
+            <a:ext cx="2773668" cy="288032"/>
+          </a:xfrm>
+          <a:prstGeom prst="leftArrow">
+            <a:avLst/>
+          </a:prstGeom>
+          <a:solidFill>
+            <a:schemeClr val="bg1">
+              <a:lumMod val="75000"/>
+            </a:schemeClr>
+          </a:solidFill>
+          <a:ln>
+            <a:noFill/>
+          </a:ln>
+        </p:spPr>
+        <p:style>
+          <a:lnRef idx="2">
+            <a:schemeClr val="accent1">
+              <a:shade val="50000"/>
+            </a:schemeClr>
+          </a:lnRef>
+          <a:fillRef idx="1">
+            <a:schemeClr val="accent1"/>
+          </a:fillRef>
+          <a:effectRef idx="0">
+            <a:schemeClr val="accent1"/>
+          </a:effectRef>
+          <a:fontRef idx="minor">
+            <a:schemeClr val="lt1"/>
+          </a:fontRef>
+        </p:style>
+        <p:txBody>
+          <a:bodyPr rtlCol="0" anchor="ctr"/>
+          <a:lstStyle/>
+          <a:p>
+            <a:pPr algn="ctr"/>
+            <a:endParaRPr lang="ko-KR" altLang="en-US"/>
+          </a:p>
+        </p:txBody>
+      </p:sp>
+      <p:sp>
+        <p:nvSpPr>
+          <p:cNvPr id="29" name="왼쪽 화살표 28"/>
+          <p:cNvSpPr/>
+          <p:nvPr/>
+        </p:nvSpPr>
+        <p:spPr>
+          <a:xfrm rot="10812296">
+            <a:off x="2280100" y="4593288"/>
+            <a:ext cx="2756580" cy="288032"/>
+          </a:xfrm>
+          <a:prstGeom prst="leftArrow">
+            <a:avLst/>
+          </a:prstGeom>
+          <a:solidFill>
+            <a:schemeClr val="bg1">
+              <a:lumMod val="75000"/>
+            </a:schemeClr>
+          </a:solidFill>
+          <a:ln>
+            <a:noFill/>
+          </a:ln>
+        </p:spPr>
+        <p:style>
+          <a:lnRef idx="2">
+            <a:schemeClr val="accent1">
+              <a:shade val="50000"/>
+            </a:schemeClr>
+          </a:lnRef>
+          <a:fillRef idx="1">
+            <a:schemeClr val="accent1"/>
+          </a:fillRef>
+          <a:effectRef idx="0">
+            <a:schemeClr val="accent1"/>
+          </a:effectRef>
+          <a:fontRef idx="minor">
+            <a:schemeClr val="lt1"/>
+          </a:fontRef>
+        </p:style>
+        <p:txBody>
+          <a:bodyPr rtlCol="0" anchor="ctr"/>
+          <a:lstStyle/>
+          <a:p>
+            <a:pPr algn="ctr"/>
+            <a:endParaRPr lang="ko-KR" altLang="en-US"/>
           </a:p>
         </p:txBody>
       </p:sp>
